--- a/Kim_Doyoung/week4/ch4_presentation.pptx
+++ b/Kim_Doyoung/week4/ch4_presentation.pptx
@@ -1,6 +1,6 @@
 
 <file path=ppt/presentation.xml><?xml version="1.0" encoding="utf-8"?>
-<p:presentation xmlns:a="http://schemas.openxmlformats.org/drawingml/2006/main" xmlns:r="http://schemas.openxmlformats.org/officeDocument/2006/relationships" xmlns:p="http://schemas.openxmlformats.org/presentationml/2006/main" saveSubsetFonts="1">
+<p:presentation xmlns:a="http://schemas.openxmlformats.org/drawingml/2006/main" xmlns:r="http://schemas.openxmlformats.org/officeDocument/2006/relationships" xmlns:p="http://schemas.openxmlformats.org/presentationml/2006/main" embedTrueTypeFonts="1" saveSubsetFonts="1">
   <p:sldMasterIdLst>
     <p:sldMasterId id="2147483648" r:id="rId1"/>
   </p:sldMasterIdLst>
@@ -14,6 +14,25 @@
   </p:sldIdLst>
   <p:sldSz cx="12192000" cy="6858000"/>
   <p:notesSz cx="6858000" cy="9144000"/>
+  <p:embeddedFontLst>
+    <p:embeddedFont>
+      <p:font typeface="HY헤드라인M" panose="02030600000101010101" pitchFamily="18" charset="-127"/>
+      <p:regular r:id="rId8"/>
+    </p:embeddedFont>
+    <p:embeddedFont>
+      <p:font typeface="Microsoft GothicNeo" panose="020B0500000101010101" pitchFamily="50" charset="-127"/>
+      <p:regular r:id="rId9"/>
+    </p:embeddedFont>
+    <p:embeddedFont>
+      <p:font typeface="맑은 고딕" panose="020B0503020000020004" pitchFamily="50" charset="-127"/>
+      <p:regular r:id="rId10"/>
+      <p:bold r:id="rId11"/>
+    </p:embeddedFont>
+    <p:embeddedFont>
+      <p:font typeface="Cambria Math" panose="02040503050406030204" pitchFamily="18" charset="0"/>
+      <p:regular r:id="rId12"/>
+    </p:embeddedFont>
+  </p:embeddedFontLst>
   <p:defaultTextStyle>
     <a:defPPr>
       <a:defRPr lang="ko-KR"/>
@@ -109,6 +128,11 @@
       </a:defRPr>
     </a:lvl9pPr>
   </p:defaultTextStyle>
+  <p:extLst>
+    <p:ext uri="{EFAFB233-063F-42B5-8137-9DF3F51BA10A}">
+      <p15:sldGuideLst xmlns:p15="http://schemas.microsoft.com/office/powerpoint/2012/main"/>
+    </p:ext>
+  </p:extLst>
 </p:presentation>
 </file>
 
@@ -4711,8 +4735,8 @@
           </a:prstGeom>
         </p:spPr>
       </p:pic>
-      <mc:AlternateContent xmlns:mc="http://schemas.openxmlformats.org/markup-compatibility/2006">
-        <mc:Choice xmlns:a14="http://schemas.microsoft.com/office/drawing/2010/main" Requires="a14">
+      <mc:AlternateContent xmlns:mc="http://schemas.openxmlformats.org/markup-compatibility/2006" xmlns:a14="http://schemas.microsoft.com/office/drawing/2010/main">
+        <mc:Choice Requires="a14">
           <p:sp>
             <p:nvSpPr>
               <p:cNvPr id="12" name="TextBox 11">
@@ -4832,7 +4856,7 @@
             </p:txBody>
           </p:sp>
         </mc:Choice>
-        <mc:Fallback>
+        <mc:Fallback xmlns="">
           <p:sp>
             <p:nvSpPr>
               <p:cNvPr id="12" name="TextBox 11">
@@ -4906,8 +4930,8 @@
           </a:prstGeom>
         </p:spPr>
       </p:pic>
-      <mc:AlternateContent xmlns:mc="http://schemas.openxmlformats.org/markup-compatibility/2006">
-        <mc:Choice xmlns:a14="http://schemas.microsoft.com/office/drawing/2010/main" Requires="a14">
+      <mc:AlternateContent xmlns:mc="http://schemas.openxmlformats.org/markup-compatibility/2006" xmlns:a14="http://schemas.microsoft.com/office/drawing/2010/main">
+        <mc:Choice Requires="a14">
           <p:sp>
             <p:nvSpPr>
               <p:cNvPr id="14" name="TextBox 13">
@@ -5118,7 +5142,7 @@
             </p:txBody>
           </p:sp>
         </mc:Choice>
-        <mc:Fallback>
+        <mc:Fallback xmlns="">
           <p:sp>
             <p:nvSpPr>
               <p:cNvPr id="14" name="TextBox 13">
@@ -5513,12 +5537,12 @@
                   <a:t> </a:t>
                 </a:r>
                 <a:r>
-                  <a:rPr lang="ko-KR" altLang="en-US" dirty="0">
+                  <a:rPr lang="ko-KR" altLang="en-US">
                     <a:latin typeface="Microsoft GothicNeo" panose="020B0500000101010101" pitchFamily="50" charset="-127"/>
                     <a:ea typeface="Microsoft GothicNeo" panose="020B0500000101010101" pitchFamily="50" charset="-127"/>
                     <a:cs typeface="Microsoft GothicNeo" panose="020B0500000101010101" pitchFamily="50" charset="-127"/>
                   </a:rPr>
-                  <a:t>무한대로 수렴</a:t>
+                  <a:t>무한대로 발산</a:t>
                 </a:r>
                 <a:endParaRPr lang="en-US" altLang="ko-KR" dirty="0">
                   <a:latin typeface="Microsoft GothicNeo" panose="020B0500000101010101" pitchFamily="50" charset="-127"/>
@@ -6083,15 +6107,15 @@
                 <a:ea typeface="Microsoft GothicNeo" panose="020B0500000101010101" pitchFamily="50" charset="-127"/>
                 <a:cs typeface="Microsoft GothicNeo" panose="020B0500000101010101" pitchFamily="50" charset="-127"/>
               </a:rPr>
-              <a:t>으로 나누어 </a:t>
-            </a:r>
-            <a:r>
-              <a:rPr lang="ko-KR" altLang="en-US" sz="2400" dirty="0" err="1">
+              <a:t>으로 </a:t>
+            </a:r>
+            <a:r>
+              <a:rPr lang="ko-KR" altLang="en-US" sz="2400">
                 <a:latin typeface="Microsoft GothicNeo" panose="020B0500000101010101" pitchFamily="50" charset="-127"/>
                 <a:ea typeface="Microsoft GothicNeo" panose="020B0500000101010101" pitchFamily="50" charset="-127"/>
                 <a:cs typeface="Microsoft GothicNeo" panose="020B0500000101010101" pitchFamily="50" charset="-127"/>
               </a:rPr>
-              <a:t>정규화함</a:t>
+              <a:t>나누어 정규화</a:t>
             </a:r>
             <a:endParaRPr lang="en-US" altLang="ko-KR" sz="2400" dirty="0">
               <a:latin typeface="Microsoft GothicNeo" panose="020B0500000101010101" pitchFamily="50" charset="-127"/>
@@ -7809,8 +7833,8 @@
           </a:p>
         </p:txBody>
       </p:sp>
-      <mc:AlternateContent xmlns:mc="http://schemas.openxmlformats.org/markup-compatibility/2006">
-        <mc:Choice xmlns:a14="http://schemas.microsoft.com/office/drawing/2010/main" Requires="a14">
+      <mc:AlternateContent xmlns:mc="http://schemas.openxmlformats.org/markup-compatibility/2006" xmlns:a14="http://schemas.microsoft.com/office/drawing/2010/main">
+        <mc:Choice Requires="a14">
           <p:sp>
             <p:nvSpPr>
               <p:cNvPr id="3" name="내용 개체 틀 2">
@@ -8108,7 +8132,7 @@
             </p:txBody>
           </p:sp>
         </mc:Choice>
-        <mc:Fallback>
+        <mc:Fallback xmlns="">
           <p:sp>
             <p:nvSpPr>
               <p:cNvPr id="3" name="내용 개체 틀 2">
